--- a/ppt 모음/Cpython4.pptx
+++ b/ppt 모음/Cpython4.pptx
@@ -277,7 +277,7 @@
           <a:p>
             <a:fld id="{57764B8E-7EC0-4B59-8DA5-E04CAE3DB5F2}" type="datetimeFigureOut">
               <a:rPr lang="ko-KR" altLang="en-US" smtClean="0"/>
-              <a:t>2023-05-05</a:t>
+              <a:t>2023-05-08</a:t>
             </a:fld>
             <a:endParaRPr lang="ko-KR" altLang="en-US"/>
           </a:p>
@@ -4296,7 +4296,7 @@
           <a:p>
             <a:r>
               <a:rPr lang="en-US" altLang="ko-KR" dirty="0"/>
-              <a:t>21.07.01</a:t>
+              <a:t>23.05.08</a:t>
             </a:r>
             <a:endParaRPr lang="ko-KR" altLang="en-US" dirty="0"/>
           </a:p>
@@ -4774,6 +4774,105 @@
           <a:xfrm>
             <a:off x="5443971" y="4293096"/>
             <a:ext cx="280157" cy="127396"/>
+          </a:xfrm>
+          <a:prstGeom prst="straightConnector1">
+            <a:avLst/>
+          </a:prstGeom>
+          <a:solidFill>
+            <a:schemeClr val="accent1"/>
+          </a:solidFill>
+          <a:ln w="28575" cap="flat" cmpd="sng" algn="ctr">
+            <a:solidFill>
+              <a:schemeClr val="accent1"/>
+            </a:solidFill>
+            <a:prstDash val="solid"/>
+            <a:round/>
+            <a:tailEnd type="triangle"/>
+          </a:ln>
+          <a:effectLst/>
+        </p:spPr>
+      </p:cxnSp>
+      <p:sp>
+        <p:nvSpPr>
+          <p:cNvPr id="2" name="TextBox 1">
+            <a:extLst>
+              <a:ext uri="{FF2B5EF4-FFF2-40B4-BE49-F238E27FC236}">
+                <a16:creationId xmlns:a16="http://schemas.microsoft.com/office/drawing/2014/main" id="{AB89BF1D-1E1D-EFD4-CE59-86B1B71077F2}"/>
+              </a:ext>
+            </a:extLst>
+          </p:cNvPr>
+          <p:cNvSpPr txBox="1"/>
+          <p:nvPr/>
+        </p:nvSpPr>
+        <p:spPr>
+          <a:xfrm>
+            <a:off x="5482064" y="1445875"/>
+            <a:ext cx="3698448" cy="830997"/>
+          </a:xfrm>
+          <a:prstGeom prst="rect">
+            <a:avLst/>
+          </a:prstGeom>
+          <a:noFill/>
+        </p:spPr>
+        <p:txBody>
+          <a:bodyPr wrap="none" rtlCol="0">
+            <a:spAutoFit/>
+          </a:bodyPr>
+          <a:lstStyle/>
+          <a:p>
+            <a:r>
+              <a:rPr lang="en-US" altLang="ko-KR" dirty="0"/>
+              <a:t>C</a:t>
+            </a:r>
+            <a:r>
+              <a:rPr lang="ko-KR" altLang="en-US" dirty="0"/>
+              <a:t>언어에서 동적 배열 끝에</a:t>
+            </a:r>
+            <a:endParaRPr lang="en-US" altLang="ko-KR" dirty="0"/>
+          </a:p>
+          <a:p>
+            <a:r>
+              <a:rPr lang="ko-KR" altLang="en-US" dirty="0"/>
+              <a:t> </a:t>
+            </a:r>
+            <a:r>
+              <a:rPr lang="en-US" altLang="ko-KR" dirty="0"/>
+              <a:t>‘\0‘</a:t>
+            </a:r>
+            <a:r>
+              <a:rPr lang="ko-KR" altLang="en-US" dirty="0"/>
+              <a:t>를 저장해</a:t>
+            </a:r>
+            <a:r>
+              <a:rPr lang="en-US" altLang="ko-KR" dirty="0"/>
+              <a:t> </a:t>
+            </a:r>
+            <a:r>
+              <a:rPr lang="ko-KR" altLang="en-US" dirty="0"/>
+              <a:t>해결</a:t>
+            </a:r>
+            <a:endParaRPr lang="en-US" altLang="ko-KR" dirty="0"/>
+          </a:p>
+        </p:txBody>
+      </p:sp>
+      <p:cxnSp>
+        <p:nvCxnSpPr>
+          <p:cNvPr id="3" name="직선 화살표 연결선 2">
+            <a:extLst>
+              <a:ext uri="{FF2B5EF4-FFF2-40B4-BE49-F238E27FC236}">
+                <a16:creationId xmlns:a16="http://schemas.microsoft.com/office/drawing/2014/main" id="{843CD4DB-88EC-40F5-8E33-C6AFC93ED70A}"/>
+              </a:ext>
+            </a:extLst>
+          </p:cNvPr>
+          <p:cNvCxnSpPr>
+            <a:cxnSpLocks/>
+          </p:cNvCxnSpPr>
+          <p:nvPr/>
+        </p:nvCxnSpPr>
+        <p:spPr>
+          <a:xfrm flipV="1">
+            <a:off x="5443971" y="2278575"/>
+            <a:ext cx="222392" cy="1772444"/>
           </a:xfrm>
           <a:prstGeom prst="straightConnector1">
             <a:avLst/>
